--- a/笔记.pptx
+++ b/笔记.pptx
@@ -6,6 +6,7 @@
   </p:sldMasterIdLst>
   <p:sldIdLst>
     <p:sldId id="256" r:id="rId2"/>
+    <p:sldId id="257" r:id="rId3"/>
   </p:sldIdLst>
   <p:sldSz cx="12192000" cy="6858000"/>
   <p:notesSz cx="6858000" cy="9144000"/>
@@ -259,7 +260,7 @@
           <a:p>
             <a:fld id="{B082AE13-7445-47B5-B39B-7E0446A9794F}" type="datetimeFigureOut">
               <a:rPr lang="zh-CN" altLang="en-US" smtClean="0"/>
-              <a:t>2023/10/3</a:t>
+              <a:t>2023/10/4</a:t>
             </a:fld>
             <a:endParaRPr lang="zh-CN" altLang="en-US"/>
           </a:p>
@@ -457,7 +458,7 @@
           <a:p>
             <a:fld id="{B082AE13-7445-47B5-B39B-7E0446A9794F}" type="datetimeFigureOut">
               <a:rPr lang="zh-CN" altLang="en-US" smtClean="0"/>
-              <a:t>2023/10/3</a:t>
+              <a:t>2023/10/4</a:t>
             </a:fld>
             <a:endParaRPr lang="zh-CN" altLang="en-US"/>
           </a:p>
@@ -665,7 +666,7 @@
           <a:p>
             <a:fld id="{B082AE13-7445-47B5-B39B-7E0446A9794F}" type="datetimeFigureOut">
               <a:rPr lang="zh-CN" altLang="en-US" smtClean="0"/>
-              <a:t>2023/10/3</a:t>
+              <a:t>2023/10/4</a:t>
             </a:fld>
             <a:endParaRPr lang="zh-CN" altLang="en-US"/>
           </a:p>
@@ -863,7 +864,7 @@
           <a:p>
             <a:fld id="{B082AE13-7445-47B5-B39B-7E0446A9794F}" type="datetimeFigureOut">
               <a:rPr lang="zh-CN" altLang="en-US" smtClean="0"/>
-              <a:t>2023/10/3</a:t>
+              <a:t>2023/10/4</a:t>
             </a:fld>
             <a:endParaRPr lang="zh-CN" altLang="en-US"/>
           </a:p>
@@ -1138,7 +1139,7 @@
           <a:p>
             <a:fld id="{B082AE13-7445-47B5-B39B-7E0446A9794F}" type="datetimeFigureOut">
               <a:rPr lang="zh-CN" altLang="en-US" smtClean="0"/>
-              <a:t>2023/10/3</a:t>
+              <a:t>2023/10/4</a:t>
             </a:fld>
             <a:endParaRPr lang="zh-CN" altLang="en-US"/>
           </a:p>
@@ -1403,7 +1404,7 @@
           <a:p>
             <a:fld id="{B082AE13-7445-47B5-B39B-7E0446A9794F}" type="datetimeFigureOut">
               <a:rPr lang="zh-CN" altLang="en-US" smtClean="0"/>
-              <a:t>2023/10/3</a:t>
+              <a:t>2023/10/4</a:t>
             </a:fld>
             <a:endParaRPr lang="zh-CN" altLang="en-US"/>
           </a:p>
@@ -1815,7 +1816,7 @@
           <a:p>
             <a:fld id="{B082AE13-7445-47B5-B39B-7E0446A9794F}" type="datetimeFigureOut">
               <a:rPr lang="zh-CN" altLang="en-US" smtClean="0"/>
-              <a:t>2023/10/3</a:t>
+              <a:t>2023/10/4</a:t>
             </a:fld>
             <a:endParaRPr lang="zh-CN" altLang="en-US"/>
           </a:p>
@@ -1956,7 +1957,7 @@
           <a:p>
             <a:fld id="{B082AE13-7445-47B5-B39B-7E0446A9794F}" type="datetimeFigureOut">
               <a:rPr lang="zh-CN" altLang="en-US" smtClean="0"/>
-              <a:t>2023/10/3</a:t>
+              <a:t>2023/10/4</a:t>
             </a:fld>
             <a:endParaRPr lang="zh-CN" altLang="en-US"/>
           </a:p>
@@ -2069,7 +2070,7 @@
           <a:p>
             <a:fld id="{B082AE13-7445-47B5-B39B-7E0446A9794F}" type="datetimeFigureOut">
               <a:rPr lang="zh-CN" altLang="en-US" smtClean="0"/>
-              <a:t>2023/10/3</a:t>
+              <a:t>2023/10/4</a:t>
             </a:fld>
             <a:endParaRPr lang="zh-CN" altLang="en-US"/>
           </a:p>
@@ -2380,7 +2381,7 @@
           <a:p>
             <a:fld id="{B082AE13-7445-47B5-B39B-7E0446A9794F}" type="datetimeFigureOut">
               <a:rPr lang="zh-CN" altLang="en-US" smtClean="0"/>
-              <a:t>2023/10/3</a:t>
+              <a:t>2023/10/4</a:t>
             </a:fld>
             <a:endParaRPr lang="zh-CN" altLang="en-US"/>
           </a:p>
@@ -2668,7 +2669,7 @@
           <a:p>
             <a:fld id="{B082AE13-7445-47B5-B39B-7E0446A9794F}" type="datetimeFigureOut">
               <a:rPr lang="zh-CN" altLang="en-US" smtClean="0"/>
-              <a:t>2023/10/3</a:t>
+              <a:t>2023/10/4</a:t>
             </a:fld>
             <a:endParaRPr lang="zh-CN" altLang="en-US"/>
           </a:p>
@@ -2909,7 +2910,7 @@
           <a:p>
             <a:fld id="{B082AE13-7445-47B5-B39B-7E0446A9794F}" type="datetimeFigureOut">
               <a:rPr lang="zh-CN" altLang="en-US" smtClean="0"/>
-              <a:t>2023/10/3</a:t>
+              <a:t>2023/10/4</a:t>
             </a:fld>
             <a:endParaRPr lang="zh-CN" altLang="en-US"/>
           </a:p>
@@ -3370,7 +3371,7 @@
         </p:nvSpPr>
         <p:spPr>
           <a:xfrm>
-            <a:off x="3785532" y="1197528"/>
+            <a:off x="425741" y="888339"/>
             <a:ext cx="4305650" cy="369332"/>
           </a:xfrm>
           <a:prstGeom prst="rect">
@@ -3395,51 +3396,12 @@
           </a:p>
         </p:txBody>
       </p:sp>
-      <p:sp>
-        <p:nvSpPr>
-          <p:cNvPr id="9" name="文本框 8">
-            <a:extLst>
-              <a:ext uri="{FF2B5EF4-FFF2-40B4-BE49-F238E27FC236}">
-                <a16:creationId xmlns:a16="http://schemas.microsoft.com/office/drawing/2014/main" id="{D99E8E46-5C20-7530-AE3C-9F04F08D00DB}"/>
-              </a:ext>
-            </a:extLst>
-          </p:cNvPr>
-          <p:cNvSpPr txBox="1"/>
-          <p:nvPr/>
-        </p:nvSpPr>
-        <p:spPr>
-          <a:xfrm>
-            <a:off x="425741" y="440231"/>
-            <a:ext cx="5287162" cy="369332"/>
-          </a:xfrm>
-          <a:prstGeom prst="rect">
-            <a:avLst/>
-          </a:prstGeom>
-          <a:noFill/>
-        </p:spPr>
-        <p:txBody>
-          <a:bodyPr wrap="square" rtlCol="0">
-            <a:spAutoFit/>
-          </a:bodyPr>
-          <a:lstStyle/>
-          <a:p>
-            <a:r>
-              <a:rPr lang="en-US" altLang="zh-CN"/>
-              <a:t>Glm::sin</a:t>
-            </a:r>
-            <a:r>
-              <a:rPr lang="zh-CN" altLang="en-US"/>
-              <a:t>究竟是弧度还是角度</a:t>
-            </a:r>
-          </a:p>
-        </p:txBody>
-      </p:sp>
       <p:pic>
         <p:nvPicPr>
-          <p:cNvPr id="3" name="图片 2">
-            <a:extLst>
-              <a:ext uri="{FF2B5EF4-FFF2-40B4-BE49-F238E27FC236}">
-                <a16:creationId xmlns:a16="http://schemas.microsoft.com/office/drawing/2014/main" id="{DA91D834-A236-A567-8E52-AB6AF62DD20F}"/>
+          <p:cNvPr id="5" name="图片 4">
+            <a:extLst>
+              <a:ext uri="{FF2B5EF4-FFF2-40B4-BE49-F238E27FC236}">
+                <a16:creationId xmlns:a16="http://schemas.microsoft.com/office/drawing/2014/main" id="{A371E678-D244-72E5-4D96-CE509EAC502B}"/>
               </a:ext>
             </a:extLst>
           </p:cNvPr>
@@ -3456,8 +3418,8 @@
         </p:blipFill>
         <p:spPr>
           <a:xfrm>
-            <a:off x="226502" y="4070978"/>
-            <a:ext cx="6042870" cy="1510718"/>
+            <a:off x="6326696" y="1524699"/>
+            <a:ext cx="4982271" cy="1100291"/>
           </a:xfrm>
           <a:prstGeom prst="rect">
             <a:avLst/>
@@ -3466,10 +3428,10 @@
       </p:pic>
       <p:sp>
         <p:nvSpPr>
-          <p:cNvPr id="4" name="文本框 3">
-            <a:extLst>
-              <a:ext uri="{FF2B5EF4-FFF2-40B4-BE49-F238E27FC236}">
-                <a16:creationId xmlns:a16="http://schemas.microsoft.com/office/drawing/2014/main" id="{E9BAACAD-3686-046C-125E-340B302B2D35}"/>
+          <p:cNvPr id="6" name="文本框 5">
+            <a:extLst>
+              <a:ext uri="{FF2B5EF4-FFF2-40B4-BE49-F238E27FC236}">
+                <a16:creationId xmlns:a16="http://schemas.microsoft.com/office/drawing/2014/main" id="{54983FB9-B76E-D3C6-0275-F7E101149A96}"/>
               </a:ext>
             </a:extLst>
           </p:cNvPr>
@@ -3478,7 +3440,7 @@
         </p:nvSpPr>
         <p:spPr>
           <a:xfrm>
-            <a:off x="6608427" y="4305649"/>
+            <a:off x="6428064" y="1030952"/>
             <a:ext cx="4305650" cy="369332"/>
           </a:xfrm>
           <a:prstGeom prst="rect">
@@ -3494,15 +3456,7 @@
           <a:p>
             <a:r>
               <a:rPr lang="zh-CN" altLang="en-US"/>
-              <a:t>这个和</a:t>
-            </a:r>
-            <a:r>
-              <a:rPr lang="en-US" altLang="zh-CN"/>
-              <a:t>imgui</a:t>
-            </a:r>
-            <a:r>
-              <a:rPr lang="zh-CN" altLang="en-US"/>
-              <a:t>兼容问题</a:t>
+              <a:t>这个不需要考虑“遮蔽”的视角吗？</a:t>
             </a:r>
           </a:p>
         </p:txBody>
@@ -3511,6 +3465,198 @@
     <p:extLst>
       <p:ext uri="{BB962C8B-B14F-4D97-AF65-F5344CB8AC3E}">
         <p14:creationId xmlns:p14="http://schemas.microsoft.com/office/powerpoint/2010/main" val="4154208641"/>
+      </p:ext>
+    </p:extLst>
+  </p:cSld>
+  <p:clrMapOvr>
+    <a:masterClrMapping/>
+  </p:clrMapOvr>
+</p:sld>
+</file>
+
+<file path=ppt/slides/slide2.xml><?xml version="1.0" encoding="utf-8"?>
+<p:sld xmlns:a="http://schemas.openxmlformats.org/drawingml/2006/main" xmlns:r="http://schemas.openxmlformats.org/officeDocument/2006/relationships" xmlns:p="http://schemas.openxmlformats.org/presentationml/2006/main">
+  <p:cSld>
+    <p:spTree>
+      <p:nvGrpSpPr>
+        <p:cNvPr id="1" name=""/>
+        <p:cNvGrpSpPr/>
+        <p:nvPr/>
+      </p:nvGrpSpPr>
+      <p:grpSpPr>
+        <a:xfrm>
+          <a:off x="0" y="0"/>
+          <a:ext cx="0" cy="0"/>
+          <a:chOff x="0" y="0"/>
+          <a:chExt cx="0" cy="0"/>
+        </a:xfrm>
+      </p:grpSpPr>
+      <p:pic>
+        <p:nvPicPr>
+          <p:cNvPr id="2" name="图片 1">
+            <a:extLst>
+              <a:ext uri="{FF2B5EF4-FFF2-40B4-BE49-F238E27FC236}">
+                <a16:creationId xmlns:a16="http://schemas.microsoft.com/office/drawing/2014/main" id="{4A758D46-7D2A-2D29-7B68-872523B67BCF}"/>
+              </a:ext>
+            </a:extLst>
+          </p:cNvPr>
+          <p:cNvPicPr>
+            <a:picLocks noChangeAspect="1"/>
+          </p:cNvPicPr>
+          <p:nvPr/>
+        </p:nvPicPr>
+        <p:blipFill>
+          <a:blip r:embed="rId2"/>
+          <a:stretch>
+            <a:fillRect/>
+          </a:stretch>
+        </p:blipFill>
+        <p:spPr>
+          <a:xfrm>
+            <a:off x="183540" y="702164"/>
+            <a:ext cx="3310475" cy="573441"/>
+          </a:xfrm>
+          <a:prstGeom prst="rect">
+            <a:avLst/>
+          </a:prstGeom>
+        </p:spPr>
+      </p:pic>
+      <p:sp>
+        <p:nvSpPr>
+          <p:cNvPr id="3" name="文本框 2">
+            <a:extLst>
+              <a:ext uri="{FF2B5EF4-FFF2-40B4-BE49-F238E27FC236}">
+                <a16:creationId xmlns:a16="http://schemas.microsoft.com/office/drawing/2014/main" id="{7F9FEA33-46BE-344C-A691-ED380F340275}"/>
+              </a:ext>
+            </a:extLst>
+          </p:cNvPr>
+          <p:cNvSpPr txBox="1"/>
+          <p:nvPr/>
+        </p:nvSpPr>
+        <p:spPr>
+          <a:xfrm>
+            <a:off x="408964" y="290920"/>
+            <a:ext cx="4305650" cy="369332"/>
+          </a:xfrm>
+          <a:prstGeom prst="rect">
+            <a:avLst/>
+          </a:prstGeom>
+          <a:noFill/>
+        </p:spPr>
+        <p:txBody>
+          <a:bodyPr wrap="square" rtlCol="0">
+            <a:spAutoFit/>
+          </a:bodyPr>
+          <a:lstStyle/>
+          <a:p>
+            <a:r>
+              <a:rPr lang="zh-CN" altLang="en-US"/>
+              <a:t>这里的</a:t>
+            </a:r>
+            <a:r>
+              <a:rPr lang="en-US" altLang="zh-CN"/>
+              <a:t>32 uniform</a:t>
+            </a:r>
+            <a:r>
+              <a:rPr lang="zh-CN" altLang="en-US"/>
+              <a:t>传参数有问题</a:t>
+            </a:r>
+          </a:p>
+        </p:txBody>
+      </p:sp>
+      <p:pic>
+        <p:nvPicPr>
+          <p:cNvPr id="4" name="图片 3">
+            <a:extLst>
+              <a:ext uri="{FF2B5EF4-FFF2-40B4-BE49-F238E27FC236}">
+                <a16:creationId xmlns:a16="http://schemas.microsoft.com/office/drawing/2014/main" id="{2AEAEB13-C209-16E9-08E2-8230DC4B0C00}"/>
+              </a:ext>
+            </a:extLst>
+          </p:cNvPr>
+          <p:cNvPicPr>
+            <a:picLocks noChangeAspect="1"/>
+          </p:cNvPicPr>
+          <p:nvPr/>
+        </p:nvPicPr>
+        <p:blipFill>
+          <a:blip r:embed="rId3"/>
+          <a:stretch>
+            <a:fillRect/>
+          </a:stretch>
+        </p:blipFill>
+        <p:spPr>
+          <a:xfrm>
+            <a:off x="408964" y="2139936"/>
+            <a:ext cx="6820852" cy="1409897"/>
+          </a:xfrm>
+          <a:prstGeom prst="rect">
+            <a:avLst/>
+          </a:prstGeom>
+        </p:spPr>
+      </p:pic>
+      <p:sp>
+        <p:nvSpPr>
+          <p:cNvPr id="5" name="文本框 4">
+            <a:extLst>
+              <a:ext uri="{FF2B5EF4-FFF2-40B4-BE49-F238E27FC236}">
+                <a16:creationId xmlns:a16="http://schemas.microsoft.com/office/drawing/2014/main" id="{5796E664-F1AB-FB9D-FBD8-D1A928E18B50}"/>
+              </a:ext>
+            </a:extLst>
+          </p:cNvPr>
+          <p:cNvSpPr txBox="1"/>
+          <p:nvPr/>
+        </p:nvSpPr>
+        <p:spPr>
+          <a:xfrm>
+            <a:off x="375408" y="1712854"/>
+            <a:ext cx="9716548" cy="261610"/>
+          </a:xfrm>
+          <a:prstGeom prst="rect">
+            <a:avLst/>
+          </a:prstGeom>
+          <a:noFill/>
+        </p:spPr>
+        <p:txBody>
+          <a:bodyPr wrap="square" rtlCol="0">
+            <a:spAutoFit/>
+          </a:bodyPr>
+          <a:lstStyle/>
+          <a:p>
+            <a:r>
+              <a:rPr lang="zh-CN" altLang="en-US" sz="1050"/>
+              <a:t>原因：忘记写</a:t>
+            </a:r>
+            <a:r>
+              <a:rPr lang="en-US" altLang="zh-CN" sz="1050"/>
+              <a:t>shader.use()</a:t>
+            </a:r>
+            <a:r>
+              <a:rPr lang="zh-CN" altLang="en-US" sz="1050"/>
+              <a:t>了，导致弄到别的</a:t>
+            </a:r>
+            <a:r>
+              <a:rPr lang="en-US" altLang="zh-CN" sz="1050"/>
+              <a:t>shader</a:t>
+            </a:r>
+            <a:r>
+              <a:rPr lang="zh-CN" altLang="en-US" sz="1050"/>
+              <a:t>变量里去了，这个</a:t>
+            </a:r>
+            <a:r>
+              <a:rPr lang="en-US" altLang="zh-CN" sz="1050"/>
+              <a:t>bug</a:t>
+            </a:r>
+            <a:r>
+              <a:rPr lang="zh-CN" altLang="en-US" sz="1050"/>
+              <a:t>花费了四十分钟，还是谷歌搜索以上问题然后看到的一句话启发到的。（汗颜）</a:t>
+            </a:r>
+          </a:p>
+        </p:txBody>
+      </p:sp>
+    </p:spTree>
+    <p:extLst>
+      <p:ext uri="{BB962C8B-B14F-4D97-AF65-F5344CB8AC3E}">
+        <p14:creationId xmlns:p14="http://schemas.microsoft.com/office/powerpoint/2010/main" val="1469588813"/>
       </p:ext>
     </p:extLst>
   </p:cSld>
